--- a/official/intpres/WCP52 Gain-Phase Interim Presentation.pptx
+++ b/official/intpres/WCP52 Gain-Phase Interim Presentation.pptx
@@ -12142,6 +12142,13 @@
   <p:transition spd="slow">
     <p:cut/>
   </p:transition>
+  <p:timing>
+    <p:tnLst>
+      <p:par>
+        <p:cTn id="1" dur="indefinite" restart="never" nodeType="tmRoot"/>
+      </p:par>
+    </p:tnLst>
+  </p:timing>
 </p:sld>
 </file>
 
@@ -12332,6 +12339,13 @@
   <p:transition spd="slow">
     <p:cut/>
   </p:transition>
+  <p:timing>
+    <p:tnLst>
+      <p:par>
+        <p:cTn id="1" dur="indefinite" restart="never" nodeType="tmRoot"/>
+      </p:par>
+    </p:tnLst>
+  </p:timing>
 </p:sld>
 </file>
 
@@ -12431,6 +12445,13 @@
   <p:transition spd="slow">
     <p:cut/>
   </p:transition>
+  <p:timing>
+    <p:tnLst>
+      <p:par>
+        <p:cTn id="1" dur="indefinite" restart="never" nodeType="tmRoot"/>
+      </p:par>
+    </p:tnLst>
+  </p:timing>
 </p:sld>
 </file>
 
@@ -12609,6 +12630,13 @@
   <p:transition spd="slow">
     <p:cut/>
   </p:transition>
+  <p:timing>
+    <p:tnLst>
+      <p:par>
+        <p:cTn id="1" dur="indefinite" restart="never" nodeType="tmRoot"/>
+      </p:par>
+    </p:tnLst>
+  </p:timing>
 </p:sld>
 </file>
 
@@ -13327,6 +13355,13 @@
   <p:transition spd="slow">
     <p:cut/>
   </p:transition>
+  <p:timing>
+    <p:tnLst>
+      <p:par>
+        <p:cTn id="1" dur="indefinite" restart="never" nodeType="tmRoot"/>
+      </p:par>
+    </p:tnLst>
+  </p:timing>
 </p:sld>
 </file>
 
@@ -14386,6 +14421,13 @@
   <p:transition spd="slow">
     <p:cut/>
   </p:transition>
+  <p:timing>
+    <p:tnLst>
+      <p:par>
+        <p:cTn id="1" dur="indefinite" restart="never" nodeType="tmRoot"/>
+      </p:par>
+    </p:tnLst>
+  </p:timing>
 </p:sld>
 </file>
 
@@ -14503,7 +14545,13 @@
               <a:rPr lang="en" sz="1800" dirty="0">
                 <a:latin typeface="HelveticaNeueLT Pro 45 Lt" pitchFamily="34" charset="0"/>
               </a:rPr>
-              <a:t>Combine prototypes into a final product</a:t>
+              <a:t>Combine prototypes into a final </a:t>
+            </a:r>
+            <a:r>
+              <a:rPr lang="en" sz="1800" dirty="0" smtClean="0">
+                <a:latin typeface="HelveticaNeueLT Pro 45 Lt" pitchFamily="34" charset="0"/>
+              </a:rPr>
+              <a:t>product</a:t>
             </a:r>
           </a:p>
           <a:p>
@@ -14566,8 +14614,42 @@
               <a:rPr lang="en" sz="1800" dirty="0">
                 <a:latin typeface="HelveticaNeueLT Pro 45 Lt" pitchFamily="34" charset="0"/>
               </a:rPr>
-              <a:t>Write PC software that receives and plots data</a:t>
+              <a:t>Write PC software that receives and plots </a:t>
             </a:r>
+            <a:r>
+              <a:rPr lang="en" sz="1800" dirty="0" smtClean="0">
+                <a:latin typeface="HelveticaNeueLT Pro 45 Lt" pitchFamily="34" charset="0"/>
+              </a:rPr>
+              <a:t>data</a:t>
+            </a:r>
+          </a:p>
+          <a:p>
+            <a:pPr marL="457200" indent="-342900">
+              <a:buFont typeface="Arial"/>
+              <a:buChar char="●"/>
+            </a:pPr>
+            <a:r>
+              <a:rPr lang="en" sz="1800" dirty="0">
+                <a:latin typeface="HelveticaNeueLT Pro 45 Lt" pitchFamily="34" charset="0"/>
+              </a:rPr>
+              <a:t>Calibration</a:t>
+            </a:r>
+          </a:p>
+          <a:p>
+            <a:pPr marL="457200" lvl="0" indent="-342900" rtl="0">
+              <a:spcBef>
+                <a:spcPts val="0"/>
+              </a:spcBef>
+              <a:buClr>
+                <a:schemeClr val="dk1"/>
+              </a:buClr>
+              <a:buSzPct val="100000"/>
+              <a:buFont typeface="Arial"/>
+              <a:buChar char="●"/>
+            </a:pPr>
+            <a:endParaRPr lang="en" sz="1800" dirty="0">
+              <a:latin typeface="HelveticaNeueLT Pro 45 Lt" pitchFamily="34" charset="0"/>
+            </a:endParaRPr>
           </a:p>
           <a:p>
             <a:pPr lvl="0" rtl="0">
@@ -14576,7 +14658,45 @@
               </a:spcBef>
               <a:buNone/>
             </a:pPr>
-            <a:endParaRPr sz="1800" dirty="0"/>
+            <a:r>
+              <a:rPr lang="en-US" dirty="0" smtClean="0">
+                <a:latin typeface="HelveticaNeueLT Pro 45 Lt" pitchFamily="34" charset="0"/>
+              </a:rPr>
+              <a:t>Finalization</a:t>
+            </a:r>
+          </a:p>
+          <a:p>
+            <a:pPr marL="285750" lvl="0" indent="-285750" rtl="0">
+              <a:spcBef>
+                <a:spcPts val="0"/>
+              </a:spcBef>
+              <a:buFont typeface="Arial" pitchFamily="34" charset="0"/>
+              <a:buChar char="•"/>
+            </a:pPr>
+            <a:r>
+              <a:rPr lang="en-US" sz="1800" dirty="0" smtClean="0">
+                <a:latin typeface="HelveticaNeueLT Pro 45 Lt" pitchFamily="34" charset="0"/>
+              </a:rPr>
+              <a:t>Operating manual</a:t>
+            </a:r>
+          </a:p>
+          <a:p>
+            <a:pPr marL="285750" lvl="0" indent="-285750" rtl="0">
+              <a:spcBef>
+                <a:spcPts val="0"/>
+              </a:spcBef>
+              <a:buFont typeface="Arial" pitchFamily="34" charset="0"/>
+              <a:buChar char="•"/>
+            </a:pPr>
+            <a:r>
+              <a:rPr lang="en-US" sz="1800" dirty="0" smtClean="0">
+                <a:latin typeface="HelveticaNeueLT Pro 45 Lt" pitchFamily="34" charset="0"/>
+              </a:rPr>
+              <a:t>Software packaging and installation</a:t>
+            </a:r>
+            <a:endParaRPr sz="1800" dirty="0">
+              <a:latin typeface="HelveticaNeueLT Pro 45 Lt" pitchFamily="34" charset="0"/>
+            </a:endParaRPr>
           </a:p>
         </p:txBody>
       </p:sp>
@@ -14588,6 +14708,13 @@
   <p:transition spd="slow">
     <p:cut/>
   </p:transition>
+  <p:timing>
+    <p:tnLst>
+      <p:par>
+        <p:cTn id="1" dur="indefinite" restart="never" nodeType="tmRoot"/>
+      </p:par>
+    </p:tnLst>
+  </p:timing>
 </p:sld>
 </file>
 
@@ -14742,6 +14869,13 @@
   <p:transition spd="slow">
     <p:cut/>
   </p:transition>
+  <p:timing>
+    <p:tnLst>
+      <p:par>
+        <p:cTn id="1" dur="indefinite" restart="never" nodeType="tmRoot"/>
+      </p:par>
+    </p:tnLst>
+  </p:timing>
 </p:sld>
 </file>
 
@@ -14819,6 +14953,13 @@
   <p:transition spd="slow">
     <p:cut/>
   </p:transition>
+  <p:timing>
+    <p:tnLst>
+      <p:par>
+        <p:cTn id="1" dur="indefinite" restart="never" nodeType="tmRoot"/>
+      </p:par>
+    </p:tnLst>
+  </p:timing>
 </p:sld>
 </file>
 
@@ -14890,6 +15031,13 @@
   <p:transition spd="slow">
     <p:cut/>
   </p:transition>
+  <p:timing>
+    <p:tnLst>
+      <p:par>
+        <p:cTn id="1" dur="indefinite" restart="never" nodeType="tmRoot"/>
+      </p:par>
+    </p:tnLst>
+  </p:timing>
 </p:sld>
 </file>
 
@@ -14942,14 +15090,20 @@
               <a:buNone/>
             </a:pPr>
             <a:r>
-              <a:rPr lang="en" dirty="0">
+              <a:rPr lang="en" dirty="0" smtClean="0">
                 <a:solidFill>
                   <a:srgbClr val="006A4D"/>
                 </a:solidFill>
                 <a:latin typeface="HelveticaNeueLT Pro 55 Roman" pitchFamily="34" charset="0"/>
               </a:rPr>
-              <a:t>Gain and Phase Analyzer</a:t>
+              <a:t>Agenda</a:t>
             </a:r>
+            <a:endParaRPr lang="en" dirty="0">
+              <a:solidFill>
+                <a:srgbClr val="006A4D"/>
+              </a:solidFill>
+              <a:latin typeface="HelveticaNeueLT Pro 55 Roman" pitchFamily="34" charset="0"/>
+            </a:endParaRPr>
           </a:p>
         </p:txBody>
       </p:sp>
@@ -15387,40 +15541,52 @@
               <a:buNone/>
             </a:pPr>
             <a:r>
-              <a:rPr lang="en" dirty="0">
+              <a:rPr lang="en" dirty="0" smtClean="0">
                 <a:latin typeface="HelveticaNeueLT Pro 45 Lt" pitchFamily="34" charset="0"/>
               </a:rPr>
-              <a:t>Applications</a:t>
+              <a:t>Education</a:t>
             </a:r>
-          </a:p>
-          <a:p>
-            <a:pPr marL="457200" lvl="0" indent="-419100" rtl="0">
-              <a:spcBef>
-                <a:spcPts val="0"/>
-              </a:spcBef>
-              <a:buClr>
-                <a:schemeClr val="dk1"/>
-              </a:buClr>
-              <a:buSzPct val="100000"/>
+            <a:endParaRPr lang="en" dirty="0">
+              <a:latin typeface="HelveticaNeueLT Pro 45 Lt" pitchFamily="34" charset="0"/>
+            </a:endParaRPr>
+          </a:p>
+          <a:p>
+            <a:pPr rtl="0">
+              <a:spcBef>
+                <a:spcPts val="0"/>
+              </a:spcBef>
+              <a:buNone/>
+            </a:pPr>
+            <a:r>
+              <a:rPr lang="en" dirty="0" smtClean="0">
+                <a:latin typeface="HelveticaNeueLT Pro 45 Lt" pitchFamily="34" charset="0"/>
+              </a:rPr>
+              <a:t>Testing, design, characterization of:</a:t>
+            </a:r>
+            <a:endParaRPr lang="en" dirty="0">
+              <a:latin typeface="HelveticaNeueLT Pro 45 Lt" pitchFamily="34" charset="0"/>
+            </a:endParaRPr>
+          </a:p>
+          <a:p>
+            <a:pPr marL="457200" lvl="0" indent="-419100">
               <a:buFont typeface="Arial"/>
               <a:buChar char="●"/>
             </a:pPr>
+            <a:r>
+              <a:rPr lang="en" dirty="0" smtClean="0">
+                <a:latin typeface="HelveticaNeueLT Pro 45 Lt" pitchFamily="34" charset="0"/>
+              </a:rPr>
+              <a:t>Signal </a:t>
+            </a:r>
             <a:r>
               <a:rPr lang="en" dirty="0">
                 <a:latin typeface="HelveticaNeueLT Pro 45 Lt" pitchFamily="34" charset="0"/>
               </a:rPr>
-              <a:t>Signal filters</a:t>
+              <a:t>filters</a:t>
             </a:r>
           </a:p>
           <a:p>
-            <a:pPr marL="457200" lvl="0" indent="-419100" rtl="0">
-              <a:spcBef>
-                <a:spcPts val="0"/>
-              </a:spcBef>
-              <a:buClr>
-                <a:schemeClr val="dk1"/>
-              </a:buClr>
-              <a:buSzPct val="100000"/>
+            <a:pPr marL="457200" lvl="0" indent="-419100">
               <a:buFont typeface="Arial"/>
               <a:buChar char="●"/>
             </a:pPr>
@@ -15432,14 +15598,7 @@
             </a:r>
           </a:p>
           <a:p>
-            <a:pPr marL="457200" lvl="0" indent="-419100" rtl="0">
-              <a:spcBef>
-                <a:spcPts val="0"/>
-              </a:spcBef>
-              <a:buClr>
-                <a:schemeClr val="dk1"/>
-              </a:buClr>
-              <a:buSzPct val="100000"/>
+            <a:pPr marL="457200" lvl="0" indent="-419100">
               <a:buFont typeface="Arial"/>
               <a:buChar char="●"/>
             </a:pPr>
@@ -15451,57 +15610,15 @@
             </a:r>
           </a:p>
           <a:p>
-            <a:pPr rtl="0">
+            <a:pPr lvl="0">
               <a:spcBef>
                 <a:spcPts val="0"/>
               </a:spcBef>
               <a:buNone/>
             </a:pPr>
-            <a:endParaRPr dirty="0">
+            <a:endParaRPr lang="en" dirty="0">
               <a:latin typeface="HelveticaNeueLT Pro 45 Lt" pitchFamily="34" charset="0"/>
             </a:endParaRPr>
-          </a:p>
-          <a:p>
-            <a:pPr rtl="0">
-              <a:spcBef>
-                <a:spcPts val="0"/>
-              </a:spcBef>
-              <a:buNone/>
-            </a:pPr>
-            <a:r>
-              <a:rPr lang="en" dirty="0">
-                <a:latin typeface="HelveticaNeueLT Pro 45 Lt" pitchFamily="34" charset="0"/>
-              </a:rPr>
-              <a:t>Education</a:t>
-            </a:r>
-          </a:p>
-          <a:p>
-            <a:pPr rtl="0">
-              <a:spcBef>
-                <a:spcPts val="0"/>
-              </a:spcBef>
-              <a:buNone/>
-            </a:pPr>
-            <a:r>
-              <a:rPr lang="en" dirty="0">
-                <a:latin typeface="HelveticaNeueLT Pro 45 Lt" pitchFamily="34" charset="0"/>
-              </a:rPr>
-              <a:t>Testing and characterizing circuits</a:t>
-            </a:r>
-          </a:p>
-          <a:p>
-            <a:pPr lvl="0">
-              <a:spcBef>
-                <a:spcPts val="0"/>
-              </a:spcBef>
-              <a:buNone/>
-            </a:pPr>
-            <a:r>
-              <a:rPr lang="en" dirty="0">
-                <a:latin typeface="HelveticaNeueLT Pro 45 Lt" pitchFamily="34" charset="0"/>
-              </a:rPr>
-              <a:t>Design</a:t>
-            </a:r>
           </a:p>
         </p:txBody>
       </p:sp>
@@ -15821,6 +15938,73 @@
           </a:p>
         </p:txBody>
       </p:sp>
+      <p:pic>
+        <p:nvPicPr>
+          <p:cNvPr id="4" name="Picture 3"/>
+          <p:cNvPicPr>
+            <a:picLocks noChangeAspect="1"/>
+          </p:cNvPicPr>
+          <p:nvPr/>
+        </p:nvPicPr>
+        <p:blipFill rotWithShape="1">
+          <a:blip r:embed="rId3">
+            <a:extLst>
+              <a:ext uri="{28A0092B-C50C-407E-A947-70E740481C1C}">
+                <a14:useLocalDpi xmlns:a14="http://schemas.microsoft.com/office/drawing/2010/main" val="0"/>
+              </a:ext>
+            </a:extLst>
+          </a:blip>
+          <a:srcRect l="3816" t="7182" r="3410" b="6626"/>
+          <a:stretch/>
+        </p:blipFill>
+        <p:spPr>
+          <a:xfrm>
+            <a:off x="5240767" y="914400"/>
+            <a:ext cx="3524596" cy="2144684"/>
+          </a:xfrm>
+          <a:prstGeom prst="rect">
+            <a:avLst/>
+          </a:prstGeom>
+        </p:spPr>
+      </p:pic>
+      <p:sp>
+        <p:nvSpPr>
+          <p:cNvPr id="5" name="TextBox 4"/>
+          <p:cNvSpPr txBox="1"/>
+          <p:nvPr/>
+        </p:nvSpPr>
+        <p:spPr>
+          <a:xfrm>
+            <a:off x="3259056" y="6539342"/>
+            <a:ext cx="5884944" cy="307777"/>
+          </a:xfrm>
+          <a:prstGeom prst="rect">
+            <a:avLst/>
+          </a:prstGeom>
+          <a:noFill/>
+        </p:spPr>
+        <p:txBody>
+          <a:bodyPr wrap="none" rtlCol="0">
+            <a:spAutoFit/>
+          </a:bodyPr>
+          <a:lstStyle/>
+          <a:p>
+            <a:r>
+              <a:rPr lang="en-US" dirty="0" smtClean="0"/>
+              <a:t>Image: </a:t>
+            </a:r>
+            <a:r>
+              <a:rPr lang="en-US" dirty="0" err="1" smtClean="0"/>
+              <a:t>Keysight</a:t>
+            </a:r>
+            <a:r>
+              <a:rPr lang="en-US" dirty="0" smtClean="0"/>
+              <a:t> Technologies, “E5071C ENA Series Network Analyzer”</a:t>
+            </a:r>
+            <a:endParaRPr lang="en-US" dirty="0"/>
+          </a:p>
+        </p:txBody>
+      </p:sp>
     </p:spTree>
   </p:cSld>
   <p:clrMapOvr>
@@ -15935,6 +16119,13 @@
   <p:transition spd="slow">
     <p:cut/>
   </p:transition>
+  <p:timing>
+    <p:tnLst>
+      <p:par>
+        <p:cTn id="1" dur="indefinite" restart="never" nodeType="tmRoot"/>
+      </p:par>
+    </p:tnLst>
+  </p:timing>
 </p:sld>
 </file>
 
@@ -16090,6 +16281,13 @@
   <p:transition spd="slow">
     <p:cut/>
   </p:transition>
+  <p:timing>
+    <p:tnLst>
+      <p:par>
+        <p:cTn id="1" dur="indefinite" restart="never" nodeType="tmRoot"/>
+      </p:par>
+    </p:tnLst>
+  </p:timing>
 </p:sld>
 </file>
 
@@ -16159,18 +16357,17 @@
           <p:cNvPicPr preferRelativeResize="0"/>
           <p:nvPr/>
         </p:nvPicPr>
-        <p:blipFill>
+        <p:blipFill rotWithShape="1">
           <a:blip r:embed="rId3">
             <a:alphaModFix/>
           </a:blip>
-          <a:stretch>
-            <a:fillRect/>
-          </a:stretch>
+          <a:srcRect l="5112" t="5522" r="3722" b="6003"/>
+          <a:stretch/>
         </p:blipFill>
         <p:spPr>
           <a:xfrm>
-            <a:off x="5291012" y="2427637"/>
-            <a:ext cx="2943225" cy="1914525"/>
+            <a:off x="5441430" y="2533338"/>
+            <a:ext cx="2683239" cy="1693888"/>
           </a:xfrm>
           <a:prstGeom prst="rect">
             <a:avLst/>
@@ -16245,6 +16442,13 @@
   <p:transition spd="slow">
     <p:cut/>
   </p:transition>
+  <p:timing>
+    <p:tnLst>
+      <p:par>
+        <p:cTn id="1" dur="indefinite" restart="never" nodeType="tmRoot"/>
+      </p:par>
+    </p:tnLst>
+  </p:timing>
 </p:sld>
 </file>
 
@@ -16427,6 +16631,13 @@
   <p:transition spd="slow">
     <p:cut/>
   </p:transition>
+  <p:timing>
+    <p:tnLst>
+      <p:par>
+        <p:cTn id="1" dur="indefinite" restart="never" nodeType="tmRoot"/>
+      </p:par>
+    </p:tnLst>
+  </p:timing>
 </p:sld>
 </file>
 
